--- a/IDP Labs - PRODUTIVIDADE PESSOAL- v2.pptx
+++ b/IDP Labs - PRODUTIVIDADE PESSOAL- v2.pptx
@@ -220,7 +220,7 @@
           <a:p>
             <a:fld id="{F3052D68-3286-4B67-BE67-1DA6A7D8FCAB}" type="datetimeFigureOut">
               <a:rPr lang="pt-BR" smtClean="0"/>
-              <a:t>10/10/2022</a:t>
+              <a:t>18/10/2022</a:t>
             </a:fld>
             <a:endParaRPr lang="pt-BR"/>
           </a:p>
@@ -616,7 +616,7 @@
           <a:p>
             <a:fld id="{6E2AC561-9086-4A77-B72B-4E0B017958A9}" type="datetimeFigureOut">
               <a:rPr lang="pt-BR" smtClean="0"/>
-              <a:t>10/10/2022</a:t>
+              <a:t>18/10/2022</a:t>
             </a:fld>
             <a:endParaRPr lang="pt-BR"/>
           </a:p>
@@ -792,7 +792,7 @@
           <a:p>
             <a:fld id="{6E2AC561-9086-4A77-B72B-4E0B017958A9}" type="datetimeFigureOut">
               <a:rPr lang="pt-BR" smtClean="0"/>
-              <a:t>10/10/2022</a:t>
+              <a:t>18/10/2022</a:t>
             </a:fld>
             <a:endParaRPr lang="pt-BR"/>
           </a:p>
@@ -978,7 +978,7 @@
           <a:p>
             <a:fld id="{6E2AC561-9086-4A77-B72B-4E0B017958A9}" type="datetimeFigureOut">
               <a:rPr lang="pt-BR" smtClean="0"/>
-              <a:t>10/10/2022</a:t>
+              <a:t>18/10/2022</a:t>
             </a:fld>
             <a:endParaRPr lang="pt-BR"/>
           </a:p>
@@ -1154,7 +1154,7 @@
           <a:p>
             <a:fld id="{6E2AC561-9086-4A77-B72B-4E0B017958A9}" type="datetimeFigureOut">
               <a:rPr lang="pt-BR" smtClean="0"/>
-              <a:t>10/10/2022</a:t>
+              <a:t>18/10/2022</a:t>
             </a:fld>
             <a:endParaRPr lang="pt-BR"/>
           </a:p>
@@ -1407,7 +1407,7 @@
           <a:p>
             <a:fld id="{6E2AC561-9086-4A77-B72B-4E0B017958A9}" type="datetimeFigureOut">
               <a:rPr lang="pt-BR" smtClean="0"/>
-              <a:t>10/10/2022</a:t>
+              <a:t>18/10/2022</a:t>
             </a:fld>
             <a:endParaRPr lang="pt-BR"/>
           </a:p>
@@ -1644,7 +1644,7 @@
           <a:p>
             <a:fld id="{6E2AC561-9086-4A77-B72B-4E0B017958A9}" type="datetimeFigureOut">
               <a:rPr lang="pt-BR" smtClean="0"/>
-              <a:t>10/10/2022</a:t>
+              <a:t>18/10/2022</a:t>
             </a:fld>
             <a:endParaRPr lang="pt-BR"/>
           </a:p>
@@ -2016,7 +2016,7 @@
           <a:p>
             <a:fld id="{6E2AC561-9086-4A77-B72B-4E0B017958A9}" type="datetimeFigureOut">
               <a:rPr lang="pt-BR" smtClean="0"/>
-              <a:t>10/10/2022</a:t>
+              <a:t>18/10/2022</a:t>
             </a:fld>
             <a:endParaRPr lang="pt-BR"/>
           </a:p>
@@ -2141,7 +2141,7 @@
           <a:p>
             <a:fld id="{6E2AC561-9086-4A77-B72B-4E0B017958A9}" type="datetimeFigureOut">
               <a:rPr lang="pt-BR" smtClean="0"/>
-              <a:t>10/10/2022</a:t>
+              <a:t>18/10/2022</a:t>
             </a:fld>
             <a:endParaRPr lang="pt-BR"/>
           </a:p>
@@ -2244,7 +2244,7 @@
           <a:p>
             <a:fld id="{6E2AC561-9086-4A77-B72B-4E0B017958A9}" type="datetimeFigureOut">
               <a:rPr lang="pt-BR" smtClean="0"/>
-              <a:t>10/10/2022</a:t>
+              <a:t>18/10/2022</a:t>
             </a:fld>
             <a:endParaRPr lang="pt-BR"/>
           </a:p>
@@ -2527,7 +2527,7 @@
           <a:p>
             <a:fld id="{6E2AC561-9086-4A77-B72B-4E0B017958A9}" type="datetimeFigureOut">
               <a:rPr lang="pt-BR" smtClean="0"/>
-              <a:t>10/10/2022</a:t>
+              <a:t>18/10/2022</a:t>
             </a:fld>
             <a:endParaRPr lang="pt-BR"/>
           </a:p>
@@ -2787,7 +2787,7 @@
           <a:p>
             <a:fld id="{6E2AC561-9086-4A77-B72B-4E0B017958A9}" type="datetimeFigureOut">
               <a:rPr lang="pt-BR" smtClean="0"/>
-              <a:t>10/10/2022</a:t>
+              <a:t>18/10/2022</a:t>
             </a:fld>
             <a:endParaRPr lang="pt-BR"/>
           </a:p>
@@ -3006,7 +3006,7 @@
           <a:p>
             <a:fld id="{6E2AC561-9086-4A77-B72B-4E0B017958A9}" type="datetimeFigureOut">
               <a:rPr lang="pt-BR" smtClean="0"/>
-              <a:t>10/10/2022</a:t>
+              <a:t>18/10/2022</a:t>
             </a:fld>
             <a:endParaRPr lang="pt-BR"/>
           </a:p>
@@ -5476,7 +5476,7 @@
               <a:buNone/>
             </a:pPr>
             <a:r>
-              <a:rPr lang="pt-BR" i="1">
+              <a:rPr lang="pt-BR" i="1" dirty="0">
                 <a:solidFill>
                   <a:srgbClr val="003399"/>
                 </a:solidFill>
@@ -5485,16 +5485,16 @@
               <a:t>&gt;Usar o aplicativo do windows </a:t>
             </a:r>
             <a:r>
-              <a:rPr lang="pt-BR" b="1" i="1">
+              <a:rPr lang="pt-BR" b="1" i="1" dirty="0">
                 <a:solidFill>
                   <a:srgbClr val="003399"/>
                 </a:solidFill>
                 <a:latin typeface="Candara" panose="020E0502030303020204" pitchFamily="34" charset="0"/>
               </a:rPr>
-              <a:t>Alarmes e Relogio</a:t>
-            </a:r>
-            <a:r>
-              <a:rPr lang="pt-BR" i="1">
+              <a:t>Alarmes e Relógio</a:t>
+            </a:r>
+            <a:r>
+              <a:rPr lang="pt-BR" i="1" dirty="0">
                 <a:solidFill>
                   <a:srgbClr val="003399"/>
                 </a:solidFill>
@@ -5502,7 +5502,7 @@
               </a:rPr>
               <a:t>:</a:t>
             </a:r>
-            <a:endParaRPr lang="pt-BR" b="1">
+            <a:endParaRPr lang="pt-BR" b="1" dirty="0">
               <a:solidFill>
                 <a:srgbClr val="003399"/>
               </a:solidFill>
@@ -5886,7 +5886,25 @@
                 </a:solidFill>
                 <a:latin typeface="Candara" panose="020E0502030303020204" pitchFamily="34" charset="0"/>
               </a:rPr>
-              <a:t>&gt;É possível usar outra configuração usando o dobro dos tempos:</a:t>
+              <a:t>&gt;É possível usar outra configuração usando o </a:t>
+            </a:r>
+            <a:r>
+              <a:rPr lang="pt-BR" b="1" i="1" dirty="0">
+                <a:solidFill>
+                  <a:srgbClr val="003399"/>
+                </a:solidFill>
+                <a:latin typeface="Candara" panose="020E0502030303020204" pitchFamily="34" charset="0"/>
+              </a:rPr>
+              <a:t>dobro dos tempos</a:t>
+            </a:r>
+            <a:r>
+              <a:rPr lang="pt-BR" i="1" dirty="0">
+                <a:solidFill>
+                  <a:srgbClr val="003399"/>
+                </a:solidFill>
+                <a:latin typeface="Candara" panose="020E0502030303020204" pitchFamily="34" charset="0"/>
+              </a:rPr>
+              <a:t>:</a:t>
             </a:r>
           </a:p>
           <a:p>
@@ -7918,7 +7936,7 @@
               <a:buNone/>
             </a:pPr>
             <a:r>
-              <a:rPr lang="pt-BR">
+              <a:rPr lang="pt-BR" dirty="0">
                 <a:solidFill>
                   <a:srgbClr val="003399"/>
                 </a:solidFill>
@@ -7932,7 +7950,7 @@
               <a:buNone/>
             </a:pPr>
             <a:r>
-              <a:rPr lang="pt-BR">
+              <a:rPr lang="pt-BR" dirty="0">
                 <a:solidFill>
                   <a:srgbClr val="003399"/>
                 </a:solidFill>
@@ -7941,7 +7959,7 @@
               <a:t>	* </a:t>
             </a:r>
             <a:r>
-              <a:rPr lang="pt-BR" b="1">
+              <a:rPr lang="pt-BR" b="1" dirty="0">
                 <a:solidFill>
                   <a:srgbClr val="003399"/>
                 </a:solidFill>
@@ -7950,7 +7968,7 @@
               <a:t>Astah Community</a:t>
             </a:r>
             <a:r>
-              <a:rPr lang="pt-BR">
+              <a:rPr lang="pt-BR" dirty="0">
                 <a:solidFill>
                   <a:srgbClr val="003399"/>
                 </a:solidFill>
@@ -7963,7 +7981,7 @@
             <a:pPr marL="0" indent="0">
               <a:buNone/>
             </a:pPr>
-            <a:endParaRPr lang="pt-BR">
+            <a:endParaRPr lang="pt-BR" dirty="0">
               <a:solidFill>
                 <a:srgbClr val="003399"/>
               </a:solidFill>
@@ -7975,7 +7993,7 @@
               <a:buNone/>
             </a:pPr>
             <a:r>
-              <a:rPr lang="pt-BR">
+              <a:rPr lang="pt-BR" dirty="0">
                 <a:solidFill>
                   <a:srgbClr val="003399"/>
                 </a:solidFill>
@@ -7989,7 +8007,7 @@
               <a:buNone/>
             </a:pPr>
             <a:r>
-              <a:rPr lang="pt-BR">
+              <a:rPr lang="pt-BR" dirty="0">
                 <a:solidFill>
                   <a:srgbClr val="003399"/>
                 </a:solidFill>
@@ -7998,7 +8016,7 @@
               <a:t>	*</a:t>
             </a:r>
             <a:r>
-              <a:rPr lang="pt-BR" b="1">
+              <a:rPr lang="pt-BR" b="1" dirty="0">
                 <a:solidFill>
                   <a:srgbClr val="003399"/>
                 </a:solidFill>
@@ -8006,12 +8024,6 @@
               </a:rPr>
               <a:t>Mind Map </a:t>
             </a:r>
-            <a:endParaRPr lang="pt-BR" b="1" dirty="0">
-              <a:solidFill>
-                <a:srgbClr val="003399"/>
-              </a:solidFill>
-              <a:latin typeface="Candara" panose="020E0502030303020204" pitchFamily="34" charset="0"/>
-            </a:endParaRPr>
           </a:p>
         </p:txBody>
       </p:sp>
@@ -8343,7 +8355,7 @@
               <a:buNone/>
             </a:pPr>
             <a:r>
-              <a:rPr lang="pt-BR" sz="2400">
+              <a:rPr lang="pt-BR" sz="2400" dirty="0">
                 <a:solidFill>
                   <a:srgbClr val="003399"/>
                 </a:solidFill>
@@ -8356,7 +8368,7 @@
             <a:pPr marL="0" indent="0">
               <a:buNone/>
             </a:pPr>
-            <a:endParaRPr lang="pt-BR" sz="2400">
+            <a:endParaRPr lang="pt-BR" sz="2400" dirty="0">
               <a:solidFill>
                 <a:srgbClr val="003399"/>
               </a:solidFill>
@@ -8368,7 +8380,7 @@
               <a:buNone/>
             </a:pPr>
             <a:r>
-              <a:rPr lang="pt-BR" sz="2400">
+              <a:rPr lang="pt-BR" sz="2400" dirty="0">
                 <a:solidFill>
                   <a:srgbClr val="003399"/>
                 </a:solidFill>
@@ -8377,7 +8389,7 @@
               <a:t>&gt;Exportar como imagem e usar como </a:t>
             </a:r>
             <a:r>
-              <a:rPr lang="pt-BR" sz="2400" b="1">
+              <a:rPr lang="pt-BR" sz="2400" b="1" dirty="0">
                 <a:solidFill>
                   <a:srgbClr val="003399"/>
                 </a:solidFill>
@@ -8390,7 +8402,7 @@
             <a:pPr marL="0" indent="0">
               <a:buNone/>
             </a:pPr>
-            <a:endParaRPr lang="pt-BR" sz="2400">
+            <a:endParaRPr lang="pt-BR" sz="2400" dirty="0">
               <a:solidFill>
                 <a:srgbClr val="003399"/>
               </a:solidFill>
@@ -8402,7 +8414,7 @@
               <a:buNone/>
             </a:pPr>
             <a:r>
-              <a:rPr lang="pt-BR" sz="2400">
+              <a:rPr lang="pt-BR" sz="2400" dirty="0">
                 <a:solidFill>
                   <a:srgbClr val="003399"/>
                 </a:solidFill>
@@ -8411,7 +8423,7 @@
               <a:t>&gt;A medida que um </a:t>
             </a:r>
             <a:r>
-              <a:rPr lang="pt-BR" sz="2400" b="1">
+              <a:rPr lang="pt-BR" sz="2400" b="1" dirty="0">
                 <a:solidFill>
                   <a:srgbClr val="003399"/>
                 </a:solidFill>
@@ -8420,7 +8432,7 @@
               <a:t>meta é concluída</a:t>
             </a:r>
             <a:r>
-              <a:rPr lang="pt-BR" sz="2400">
+              <a:rPr lang="pt-BR" sz="2400" dirty="0">
                 <a:solidFill>
                   <a:srgbClr val="003399"/>
                 </a:solidFill>
@@ -8429,7 +8441,7 @@
               <a:t>, destacar no </a:t>
             </a:r>
             <a:r>
-              <a:rPr lang="pt-BR" sz="2400" b="1">
+              <a:rPr lang="pt-BR" sz="2400" b="1" dirty="0">
                 <a:solidFill>
                   <a:srgbClr val="003399"/>
                 </a:solidFill>
@@ -8438,7 +8450,7 @@
               <a:t>Mapa</a:t>
             </a:r>
             <a:r>
-              <a:rPr lang="pt-BR" sz="2400">
+              <a:rPr lang="pt-BR" sz="2400" dirty="0">
                 <a:solidFill>
                   <a:srgbClr val="003399"/>
                 </a:solidFill>
@@ -8447,7 +8459,7 @@
               <a:t> e </a:t>
             </a:r>
             <a:r>
-              <a:rPr lang="pt-BR" sz="2400" b="1">
+              <a:rPr lang="pt-BR" sz="2400" b="1" dirty="0">
                 <a:solidFill>
                   <a:srgbClr val="003399"/>
                 </a:solidFill>
@@ -8455,12 +8467,6 @@
               </a:rPr>
               <a:t>exportar nova imagem</a:t>
             </a:r>
-            <a:endParaRPr lang="pt-BR" sz="2400" b="1" dirty="0">
-              <a:solidFill>
-                <a:srgbClr val="003399"/>
-              </a:solidFill>
-              <a:latin typeface="Candara" panose="020E0502030303020204" pitchFamily="34" charset="0"/>
-            </a:endParaRPr>
           </a:p>
         </p:txBody>
       </p:sp>
